--- a/algo_overview.pptx
+++ b/algo_overview.pptx
@@ -104,6 +104,11 @@
       </a:defRPr>
     </a:lvl9pPr>
   </p:defaultTextStyle>
+  <p:extLst>
+    <p:ext uri="{EFAFB233-063F-42B5-8137-9DF3F51BA10A}">
+      <p15:sldGuideLst xmlns:p15="http://schemas.microsoft.com/office/powerpoint/2012/main"/>
+    </p:ext>
+  </p:extLst>
 </p:presentation>
 </file>
 
@@ -238,7 +243,7 @@
           <a:p>
             <a:fld id="{427967E6-AEBA-6243-883F-AFDAD1E47229}" type="datetimeFigureOut">
               <a:rPr lang="en-US" smtClean="0"/>
-              <a:t>11/15/25</a:t>
+              <a:t>11/19/25</a:t>
             </a:fld>
             <a:endParaRPr lang="en-US"/>
           </a:p>
@@ -408,7 +413,7 @@
           <a:p>
             <a:fld id="{427967E6-AEBA-6243-883F-AFDAD1E47229}" type="datetimeFigureOut">
               <a:rPr lang="en-US" smtClean="0"/>
-              <a:t>11/15/25</a:t>
+              <a:t>11/19/25</a:t>
             </a:fld>
             <a:endParaRPr lang="en-US"/>
           </a:p>
@@ -588,7 +593,7 @@
           <a:p>
             <a:fld id="{427967E6-AEBA-6243-883F-AFDAD1E47229}" type="datetimeFigureOut">
               <a:rPr lang="en-US" smtClean="0"/>
-              <a:t>11/15/25</a:t>
+              <a:t>11/19/25</a:t>
             </a:fld>
             <a:endParaRPr lang="en-US"/>
           </a:p>
@@ -758,7 +763,7 @@
           <a:p>
             <a:fld id="{427967E6-AEBA-6243-883F-AFDAD1E47229}" type="datetimeFigureOut">
               <a:rPr lang="en-US" smtClean="0"/>
-              <a:t>11/15/25</a:t>
+              <a:t>11/19/25</a:t>
             </a:fld>
             <a:endParaRPr lang="en-US"/>
           </a:p>
@@ -1004,7 +1009,7 @@
           <a:p>
             <a:fld id="{427967E6-AEBA-6243-883F-AFDAD1E47229}" type="datetimeFigureOut">
               <a:rPr lang="en-US" smtClean="0"/>
-              <a:t>11/15/25</a:t>
+              <a:t>11/19/25</a:t>
             </a:fld>
             <a:endParaRPr lang="en-US"/>
           </a:p>
@@ -1236,7 +1241,7 @@
           <a:p>
             <a:fld id="{427967E6-AEBA-6243-883F-AFDAD1E47229}" type="datetimeFigureOut">
               <a:rPr lang="en-US" smtClean="0"/>
-              <a:t>11/15/25</a:t>
+              <a:t>11/19/25</a:t>
             </a:fld>
             <a:endParaRPr lang="en-US"/>
           </a:p>
@@ -1603,7 +1608,7 @@
           <a:p>
             <a:fld id="{427967E6-AEBA-6243-883F-AFDAD1E47229}" type="datetimeFigureOut">
               <a:rPr lang="en-US" smtClean="0"/>
-              <a:t>11/15/25</a:t>
+              <a:t>11/19/25</a:t>
             </a:fld>
             <a:endParaRPr lang="en-US"/>
           </a:p>
@@ -1721,7 +1726,7 @@
           <a:p>
             <a:fld id="{427967E6-AEBA-6243-883F-AFDAD1E47229}" type="datetimeFigureOut">
               <a:rPr lang="en-US" smtClean="0"/>
-              <a:t>11/15/25</a:t>
+              <a:t>11/19/25</a:t>
             </a:fld>
             <a:endParaRPr lang="en-US"/>
           </a:p>
@@ -1816,7 +1821,7 @@
           <a:p>
             <a:fld id="{427967E6-AEBA-6243-883F-AFDAD1E47229}" type="datetimeFigureOut">
               <a:rPr lang="en-US" smtClean="0"/>
-              <a:t>11/15/25</a:t>
+              <a:t>11/19/25</a:t>
             </a:fld>
             <a:endParaRPr lang="en-US"/>
           </a:p>
@@ -2093,7 +2098,7 @@
           <a:p>
             <a:fld id="{427967E6-AEBA-6243-883F-AFDAD1E47229}" type="datetimeFigureOut">
               <a:rPr lang="en-US" smtClean="0"/>
-              <a:t>11/15/25</a:t>
+              <a:t>11/19/25</a:t>
             </a:fld>
             <a:endParaRPr lang="en-US"/>
           </a:p>
@@ -2350,7 +2355,7 @@
           <a:p>
             <a:fld id="{427967E6-AEBA-6243-883F-AFDAD1E47229}" type="datetimeFigureOut">
               <a:rPr lang="en-US" smtClean="0"/>
-              <a:t>11/15/25</a:t>
+              <a:t>11/19/25</a:t>
             </a:fld>
             <a:endParaRPr lang="en-US"/>
           </a:p>
@@ -2563,7 +2568,7 @@
           <a:p>
             <a:fld id="{427967E6-AEBA-6243-883F-AFDAD1E47229}" type="datetimeFigureOut">
               <a:rPr lang="en-US" smtClean="0"/>
-              <a:t>11/15/25</a:t>
+              <a:t>11/19/25</a:t>
             </a:fld>
             <a:endParaRPr lang="en-US"/>
           </a:p>
@@ -3544,58 +3549,6 @@
       </p:sp>
       <p:sp>
         <p:nvSpPr>
-          <p:cNvPr id="16" name="Rectangle 15">
-            <a:extLst>
-              <a:ext uri="{FF2B5EF4-FFF2-40B4-BE49-F238E27FC236}">
-                <a16:creationId xmlns:a16="http://schemas.microsoft.com/office/drawing/2014/main" id="{8C81ED61-3EE4-F491-1288-0C91243776AB}"/>
-              </a:ext>
-            </a:extLst>
-          </p:cNvPr>
-          <p:cNvSpPr/>
-          <p:nvPr/>
-        </p:nvSpPr>
-        <p:spPr>
-          <a:xfrm>
-            <a:off x="2951556" y="1987390"/>
-            <a:ext cx="518520" cy="217844"/>
-          </a:xfrm>
-          <a:prstGeom prst="rect">
-            <a:avLst/>
-          </a:prstGeom>
-          <a:noFill/>
-          <a:ln w="12700">
-            <a:solidFill>
-              <a:schemeClr val="tx1"/>
-            </a:solidFill>
-          </a:ln>
-        </p:spPr>
-        <p:style>
-          <a:lnRef idx="2">
-            <a:schemeClr val="accent1">
-              <a:shade val="15000"/>
-            </a:schemeClr>
-          </a:lnRef>
-          <a:fillRef idx="1">
-            <a:schemeClr val="accent1"/>
-          </a:fillRef>
-          <a:effectRef idx="0">
-            <a:schemeClr val="accent1"/>
-          </a:effectRef>
-          <a:fontRef idx="minor">
-            <a:schemeClr val="lt1"/>
-          </a:fontRef>
-        </p:style>
-        <p:txBody>
-          <a:bodyPr rtlCol="0" anchor="ctr"/>
-          <a:lstStyle/>
-          <a:p>
-            <a:pPr algn="ctr"/>
-            <a:endParaRPr lang="en-US" sz="726"/>
-          </a:p>
-        </p:txBody>
-      </p:sp>
-      <p:sp>
-        <p:nvSpPr>
           <p:cNvPr id="18" name="Rectangle 17">
             <a:extLst>
               <a:ext uri="{FF2B5EF4-FFF2-40B4-BE49-F238E27FC236}">
@@ -3646,8 +3599,8 @@
           </a:p>
         </p:txBody>
       </p:sp>
-      <mc:AlternateContent xmlns:mc="http://schemas.openxmlformats.org/markup-compatibility/2006">
-        <mc:Choice xmlns:a14="http://schemas.microsoft.com/office/drawing/2010/main" Requires="a14">
+      <mc:AlternateContent xmlns:mc="http://schemas.openxmlformats.org/markup-compatibility/2006" xmlns:a14="http://schemas.microsoft.com/office/drawing/2010/main">
+        <mc:Choice Requires="a14">
           <p:sp>
             <p:nvSpPr>
               <p:cNvPr id="20" name="TextBox 19">
@@ -3676,6 +3629,7 @@
               </a:bodyPr>
               <a:lstStyle/>
               <a:p>
+                <a:pPr/>
                 <a14:m>
                   <m:oMathPara xmlns:m="http://schemas.openxmlformats.org/officeDocument/2006/math">
                     <m:oMathParaPr>
@@ -3743,11 +3697,12 @@
                     </m:oMath>
                   </m:oMathPara>
                 </a14:m>
+                <a:endParaRPr/>
               </a:p>
             </p:txBody>
           </p:sp>
         </mc:Choice>
-        <mc:Fallback>
+        <mc:Fallback xmlns="">
           <p:sp>
             <p:nvSpPr>
               <p:cNvPr id="20" name="TextBox 19">
@@ -3963,47 +3918,6 @@
       </p:cxnSp>
       <p:cxnSp>
         <p:nvCxnSpPr>
-          <p:cNvPr id="27" name="Straight Arrow Connector 26">
-            <a:extLst>
-              <a:ext uri="{FF2B5EF4-FFF2-40B4-BE49-F238E27FC236}">
-                <a16:creationId xmlns:a16="http://schemas.microsoft.com/office/drawing/2014/main" id="{D02C9270-2277-895F-829F-DF13D0E225C2}"/>
-              </a:ext>
-            </a:extLst>
-          </p:cNvPr>
-          <p:cNvCxnSpPr>
-            <a:cxnSpLocks/>
-          </p:cNvCxnSpPr>
-          <p:nvPr/>
-        </p:nvCxnSpPr>
-        <p:spPr>
-          <a:xfrm flipV="1">
-            <a:off x="2821929" y="2096311"/>
-            <a:ext cx="129630" cy="2"/>
-          </a:xfrm>
-          <a:prstGeom prst="straightConnector1">
-            <a:avLst/>
-          </a:prstGeom>
-          <a:ln>
-            <a:tailEnd type="triangle"/>
-          </a:ln>
-        </p:spPr>
-        <p:style>
-          <a:lnRef idx="2">
-            <a:schemeClr val="dk1"/>
-          </a:lnRef>
-          <a:fillRef idx="0">
-            <a:schemeClr val="dk1"/>
-          </a:fillRef>
-          <a:effectRef idx="1">
-            <a:schemeClr val="dk1"/>
-          </a:effectRef>
-          <a:fontRef idx="minor">
-            <a:schemeClr val="tx1"/>
-          </a:fontRef>
-        </p:style>
-      </p:cxnSp>
-      <p:cxnSp>
-        <p:nvCxnSpPr>
           <p:cNvPr id="29" name="Straight Arrow Connector 28">
             <a:extLst>
               <a:ext uri="{FF2B5EF4-FFF2-40B4-BE49-F238E27FC236}">
@@ -4043,8 +3957,8 @@
           </a:fontRef>
         </p:style>
       </p:cxnSp>
-      <mc:AlternateContent xmlns:mc="http://schemas.openxmlformats.org/markup-compatibility/2006">
-        <mc:Choice xmlns:a14="http://schemas.microsoft.com/office/drawing/2010/main" Requires="a14">
+      <mc:AlternateContent xmlns:mc="http://schemas.openxmlformats.org/markup-compatibility/2006" xmlns:a14="http://schemas.microsoft.com/office/drawing/2010/main">
+        <mc:Choice Requires="a14">
           <p:sp>
             <p:nvSpPr>
               <p:cNvPr id="31" name="TextBox 30">
@@ -4118,7 +4032,7 @@
             </p:txBody>
           </p:sp>
         </mc:Choice>
-        <mc:Fallback>
+        <mc:Fallback xmlns="">
           <p:sp>
             <p:nvSpPr>
               <p:cNvPr id="31" name="TextBox 30">
@@ -4163,8 +4077,8 @@
           </p:sp>
         </mc:Fallback>
       </mc:AlternateContent>
-      <mc:AlternateContent xmlns:mc="http://schemas.openxmlformats.org/markup-compatibility/2006">
-        <mc:Choice xmlns:a14="http://schemas.microsoft.com/office/drawing/2010/main" Requires="a14">
+      <mc:AlternateContent xmlns:mc="http://schemas.openxmlformats.org/markup-compatibility/2006" xmlns:a14="http://schemas.microsoft.com/office/drawing/2010/main">
+        <mc:Choice Requires="a14">
           <p:sp>
             <p:nvSpPr>
               <p:cNvPr id="32" name="TextBox 31">
@@ -4238,7 +4152,7 @@
             </p:txBody>
           </p:sp>
         </mc:Choice>
-        <mc:Fallback>
+        <mc:Fallback xmlns="">
           <p:sp>
             <p:nvSpPr>
               <p:cNvPr id="32" name="TextBox 31">
@@ -4283,8 +4197,8 @@
           </p:sp>
         </mc:Fallback>
       </mc:AlternateContent>
-      <mc:AlternateContent xmlns:mc="http://schemas.openxmlformats.org/markup-compatibility/2006">
-        <mc:Choice xmlns:a14="http://schemas.microsoft.com/office/drawing/2010/main" Requires="a14">
+      <mc:AlternateContent xmlns:mc="http://schemas.openxmlformats.org/markup-compatibility/2006" xmlns:a14="http://schemas.microsoft.com/office/drawing/2010/main">
+        <mc:Choice Requires="a14">
           <p:sp>
             <p:nvSpPr>
               <p:cNvPr id="33" name="TextBox 32">
@@ -4361,7 +4275,7 @@
             </p:txBody>
           </p:sp>
         </mc:Choice>
-        <mc:Fallback>
+        <mc:Fallback xmlns="">
           <p:sp>
             <p:nvSpPr>
               <p:cNvPr id="33" name="TextBox 32">
@@ -4409,8 +4323,8 @@
           </p:sp>
         </mc:Fallback>
       </mc:AlternateContent>
-      <mc:AlternateContent xmlns:mc="http://schemas.openxmlformats.org/markup-compatibility/2006">
-        <mc:Choice xmlns:a14="http://schemas.microsoft.com/office/drawing/2010/main" Requires="a14">
+      <mc:AlternateContent xmlns:mc="http://schemas.openxmlformats.org/markup-compatibility/2006" xmlns:a14="http://schemas.microsoft.com/office/drawing/2010/main">
+        <mc:Choice Requires="a14">
           <p:sp>
             <p:nvSpPr>
               <p:cNvPr id="34" name="TextBox 33">
@@ -4484,7 +4398,7 @@
             </p:txBody>
           </p:sp>
         </mc:Choice>
-        <mc:Fallback>
+        <mc:Fallback xmlns="">
           <p:sp>
             <p:nvSpPr>
               <p:cNvPr id="34" name="TextBox 33">
@@ -4529,8 +4443,8 @@
           </p:sp>
         </mc:Fallback>
       </mc:AlternateContent>
-      <mc:AlternateContent xmlns:mc="http://schemas.openxmlformats.org/markup-compatibility/2006">
-        <mc:Choice xmlns:a14="http://schemas.microsoft.com/office/drawing/2010/main" Requires="a14">
+      <mc:AlternateContent xmlns:mc="http://schemas.openxmlformats.org/markup-compatibility/2006" xmlns:a14="http://schemas.microsoft.com/office/drawing/2010/main">
+        <mc:Choice Requires="a14">
           <p:sp>
             <p:nvSpPr>
               <p:cNvPr id="35" name="TextBox 34">
@@ -4604,7 +4518,7 @@
             </p:txBody>
           </p:sp>
         </mc:Choice>
-        <mc:Fallback>
+        <mc:Fallback xmlns="">
           <p:sp>
             <p:nvSpPr>
               <p:cNvPr id="35" name="TextBox 34">
@@ -4649,8 +4563,8 @@
           </p:sp>
         </mc:Fallback>
       </mc:AlternateContent>
-      <mc:AlternateContent xmlns:mc="http://schemas.openxmlformats.org/markup-compatibility/2006">
-        <mc:Choice xmlns:a14="http://schemas.microsoft.com/office/drawing/2010/main" Requires="a14">
+      <mc:AlternateContent xmlns:mc="http://schemas.openxmlformats.org/markup-compatibility/2006" xmlns:a14="http://schemas.microsoft.com/office/drawing/2010/main">
+        <mc:Choice Requires="a14">
           <p:sp>
             <p:nvSpPr>
               <p:cNvPr id="37" name="TextBox 36">
@@ -4724,7 +4638,7 @@
             </p:txBody>
           </p:sp>
         </mc:Choice>
-        <mc:Fallback>
+        <mc:Fallback xmlns="">
           <p:sp>
             <p:nvSpPr>
               <p:cNvPr id="37" name="TextBox 36">
@@ -4789,8 +4703,8 @@
             <a:chExt cx="383574" cy="2268972"/>
           </a:xfrm>
         </p:grpSpPr>
-        <mc:AlternateContent xmlns:mc="http://schemas.openxmlformats.org/markup-compatibility/2006">
-          <mc:Choice xmlns:a14="http://schemas.microsoft.com/office/drawing/2010/main" Requires="a14">
+        <mc:AlternateContent xmlns:mc="http://schemas.openxmlformats.org/markup-compatibility/2006" xmlns:a14="http://schemas.microsoft.com/office/drawing/2010/main">
+          <mc:Choice Requires="a14">
             <p:sp>
               <p:nvSpPr>
                 <p:cNvPr id="38" name="TextBox 37">
@@ -4843,7 +4757,7 @@
               </p:txBody>
             </p:sp>
           </mc:Choice>
-          <mc:Fallback>
+          <mc:Fallback xmlns="">
             <p:sp>
               <p:nvSpPr>
                 <p:cNvPr id="38" name="TextBox 37">
@@ -4888,8 +4802,8 @@
             </p:sp>
           </mc:Fallback>
         </mc:AlternateContent>
-        <mc:AlternateContent xmlns:mc="http://schemas.openxmlformats.org/markup-compatibility/2006">
-          <mc:Choice xmlns:a14="http://schemas.microsoft.com/office/drawing/2010/main" Requires="a14">
+        <mc:AlternateContent xmlns:mc="http://schemas.openxmlformats.org/markup-compatibility/2006" xmlns:a14="http://schemas.microsoft.com/office/drawing/2010/main">
+          <mc:Choice Requires="a14">
             <p:sp>
               <p:nvSpPr>
                 <p:cNvPr id="39" name="TextBox 38">
@@ -4942,7 +4856,7 @@
               </p:txBody>
             </p:sp>
           </mc:Choice>
-          <mc:Fallback>
+          <mc:Fallback xmlns="">
             <p:sp>
               <p:nvSpPr>
                 <p:cNvPr id="39" name="TextBox 38">
@@ -4987,8 +4901,8 @@
             </p:sp>
           </mc:Fallback>
         </mc:AlternateContent>
-        <mc:AlternateContent xmlns:mc="http://schemas.openxmlformats.org/markup-compatibility/2006">
-          <mc:Choice xmlns:a14="http://schemas.microsoft.com/office/drawing/2010/main" Requires="a14">
+        <mc:AlternateContent xmlns:mc="http://schemas.openxmlformats.org/markup-compatibility/2006" xmlns:a14="http://schemas.microsoft.com/office/drawing/2010/main">
+          <mc:Choice Requires="a14">
             <p:sp>
               <p:nvSpPr>
                 <p:cNvPr id="40" name="TextBox 39">
@@ -5041,7 +4955,7 @@
               </p:txBody>
             </p:sp>
           </mc:Choice>
-          <mc:Fallback>
+          <mc:Fallback xmlns="">
             <p:sp>
               <p:nvSpPr>
                 <p:cNvPr id="40" name="TextBox 39">
@@ -5086,8 +5000,8 @@
             </p:sp>
           </mc:Fallback>
         </mc:AlternateContent>
-        <mc:AlternateContent xmlns:mc="http://schemas.openxmlformats.org/markup-compatibility/2006">
-          <mc:Choice xmlns:a14="http://schemas.microsoft.com/office/drawing/2010/main" Requires="a14">
+        <mc:AlternateContent xmlns:mc="http://schemas.openxmlformats.org/markup-compatibility/2006" xmlns:a14="http://schemas.microsoft.com/office/drawing/2010/main">
+          <mc:Choice Requires="a14">
             <p:sp>
               <p:nvSpPr>
                 <p:cNvPr id="41" name="TextBox 40">
@@ -5140,7 +5054,7 @@
               </p:txBody>
             </p:sp>
           </mc:Choice>
-          <mc:Fallback>
+          <mc:Fallback xmlns="">
             <p:sp>
               <p:nvSpPr>
                 <p:cNvPr id="41" name="TextBox 40">
@@ -5185,8 +5099,8 @@
             </p:sp>
           </mc:Fallback>
         </mc:AlternateContent>
-        <mc:AlternateContent xmlns:mc="http://schemas.openxmlformats.org/markup-compatibility/2006">
-          <mc:Choice xmlns:a14="http://schemas.microsoft.com/office/drawing/2010/main" Requires="a14">
+        <mc:AlternateContent xmlns:mc="http://schemas.openxmlformats.org/markup-compatibility/2006" xmlns:a14="http://schemas.microsoft.com/office/drawing/2010/main">
+          <mc:Choice Requires="a14">
             <p:sp>
               <p:nvSpPr>
                 <p:cNvPr id="42" name="TextBox 41">
@@ -5239,7 +5153,7 @@
               </p:txBody>
             </p:sp>
           </mc:Choice>
-          <mc:Fallback>
+          <mc:Fallback xmlns="">
             <p:sp>
               <p:nvSpPr>
                 <p:cNvPr id="42" name="TextBox 41">
@@ -5284,8 +5198,8 @@
             </p:sp>
           </mc:Fallback>
         </mc:AlternateContent>
-        <mc:AlternateContent xmlns:mc="http://schemas.openxmlformats.org/markup-compatibility/2006">
-          <mc:Choice xmlns:a14="http://schemas.microsoft.com/office/drawing/2010/main" Requires="a14">
+        <mc:AlternateContent xmlns:mc="http://schemas.openxmlformats.org/markup-compatibility/2006" xmlns:a14="http://schemas.microsoft.com/office/drawing/2010/main">
+          <mc:Choice Requires="a14">
             <p:sp>
               <p:nvSpPr>
                 <p:cNvPr id="43" name="TextBox 42">
@@ -5338,7 +5252,7 @@
               </p:txBody>
             </p:sp>
           </mc:Choice>
-          <mc:Fallback>
+          <mc:Fallback xmlns="">
             <p:sp>
               <p:nvSpPr>
                 <p:cNvPr id="43" name="TextBox 42">
@@ -5431,8 +5345,8 @@
             </a:p>
           </p:txBody>
         </p:sp>
-        <mc:AlternateContent xmlns:mc="http://schemas.openxmlformats.org/markup-compatibility/2006">
-          <mc:Choice xmlns:a14="http://schemas.microsoft.com/office/drawing/2010/main" Requires="a14">
+        <mc:AlternateContent xmlns:mc="http://schemas.openxmlformats.org/markup-compatibility/2006" xmlns:a14="http://schemas.microsoft.com/office/drawing/2010/main">
+          <mc:Choice Requires="a14">
             <p:sp>
               <p:nvSpPr>
                 <p:cNvPr id="45" name="TextBox 44">
@@ -5485,7 +5399,7 @@
               </p:txBody>
             </p:sp>
           </mc:Choice>
-          <mc:Fallback>
+          <mc:Fallback xmlns="">
             <p:sp>
               <p:nvSpPr>
                 <p:cNvPr id="45" name="TextBox 44">
@@ -5531,8 +5445,8 @@
           </mc:Fallback>
         </mc:AlternateContent>
       </p:grpSp>
-      <mc:AlternateContent xmlns:mc="http://schemas.openxmlformats.org/markup-compatibility/2006">
-        <mc:Choice xmlns:a14="http://schemas.microsoft.com/office/drawing/2010/main" Requires="a14">
+      <mc:AlternateContent xmlns:mc="http://schemas.openxmlformats.org/markup-compatibility/2006" xmlns:a14="http://schemas.microsoft.com/office/drawing/2010/main">
+        <mc:Choice Requires="a14">
           <p:sp>
             <p:nvSpPr>
               <p:cNvPr id="46" name="TextBox 45">
@@ -5585,7 +5499,7 @@
             </p:txBody>
           </p:sp>
         </mc:Choice>
-        <mc:Fallback>
+        <mc:Fallback xmlns="">
           <p:sp>
             <p:nvSpPr>
               <p:cNvPr id="46" name="TextBox 45">
@@ -5630,8 +5544,8 @@
           </p:sp>
         </mc:Fallback>
       </mc:AlternateContent>
-      <mc:AlternateContent xmlns:mc="http://schemas.openxmlformats.org/markup-compatibility/2006">
-        <mc:Choice xmlns:a14="http://schemas.microsoft.com/office/drawing/2010/main" Requires="a14">
+      <mc:AlternateContent xmlns:mc="http://schemas.openxmlformats.org/markup-compatibility/2006" xmlns:a14="http://schemas.microsoft.com/office/drawing/2010/main">
+        <mc:Choice Requires="a14">
           <p:sp>
             <p:nvSpPr>
               <p:cNvPr id="48" name="TextBox 47">
@@ -5677,11 +5591,12 @@
                     </m:r>
                   </m:oMath>
                 </a14:m>
+                <a:endParaRPr lang="en-US" sz="1000" dirty="0"/>
               </a:p>
             </p:txBody>
           </p:sp>
         </mc:Choice>
-        <mc:Fallback>
+        <mc:Fallback xmlns="">
           <p:sp>
             <p:nvSpPr>
               <p:cNvPr id="48" name="TextBox 47">
@@ -5768,8 +5683,8 @@
           </a:fontRef>
         </p:style>
       </p:cxnSp>
-      <mc:AlternateContent xmlns:mc="http://schemas.openxmlformats.org/markup-compatibility/2006">
-        <mc:Choice xmlns:a14="http://schemas.microsoft.com/office/drawing/2010/main" Requires="a14">
+      <mc:AlternateContent xmlns:mc="http://schemas.openxmlformats.org/markup-compatibility/2006" xmlns:a14="http://schemas.microsoft.com/office/drawing/2010/main">
+        <mc:Choice Requires="a14">
           <p:sp>
             <p:nvSpPr>
               <p:cNvPr id="51" name="TextBox 50">
@@ -5813,11 +5728,12 @@
                     </m:r>
                   </m:oMath>
                 </a14:m>
+                <a:endParaRPr lang="en-US" sz="1000" dirty="0"/>
               </a:p>
             </p:txBody>
           </p:sp>
         </mc:Choice>
-        <mc:Fallback>
+        <mc:Fallback xmlns="">
           <p:sp>
             <p:nvSpPr>
               <p:cNvPr id="51" name="TextBox 50">
@@ -5958,8 +5874,8 @@
           </a:p>
         </p:txBody>
       </p:sp>
-      <mc:AlternateContent xmlns:mc="http://schemas.openxmlformats.org/markup-compatibility/2006">
-        <mc:Choice xmlns:a14="http://schemas.microsoft.com/office/drawing/2010/main" Requires="a14">
+      <mc:AlternateContent xmlns:mc="http://schemas.openxmlformats.org/markup-compatibility/2006" xmlns:a14="http://schemas.microsoft.com/office/drawing/2010/main">
+        <mc:Choice Requires="a14">
           <p:sp>
             <p:nvSpPr>
               <p:cNvPr id="56" name="TextBox 55">
@@ -6034,11 +5950,12 @@
                     </m:oMath>
                   </m:oMathPara>
                 </a14:m>
+                <a:endParaRPr/>
               </a:p>
             </p:txBody>
           </p:sp>
         </mc:Choice>
-        <mc:Fallback>
+        <mc:Fallback xmlns="">
           <p:sp>
             <p:nvSpPr>
               <p:cNvPr id="56" name="TextBox 55">
@@ -6083,8 +6000,8 @@
           </p:sp>
         </mc:Fallback>
       </mc:AlternateContent>
-      <mc:AlternateContent xmlns:mc="http://schemas.openxmlformats.org/markup-compatibility/2006">
-        <mc:Choice xmlns:a14="http://schemas.microsoft.com/office/drawing/2010/main" Requires="a14">
+      <mc:AlternateContent xmlns:mc="http://schemas.openxmlformats.org/markup-compatibility/2006" xmlns:a14="http://schemas.microsoft.com/office/drawing/2010/main">
+        <mc:Choice Requires="a14">
           <p:sp>
             <p:nvSpPr>
               <p:cNvPr id="57" name="TextBox 56">
@@ -6129,11 +6046,12 @@
                     </m:r>
                   </m:oMath>
                 </a14:m>
+                <a:endParaRPr lang="en-US" sz="1000" dirty="0"/>
               </a:p>
             </p:txBody>
           </p:sp>
         </mc:Choice>
-        <mc:Fallback>
+        <mc:Fallback xmlns="">
           <p:sp>
             <p:nvSpPr>
               <p:cNvPr id="57" name="TextBox 56">
@@ -6222,8 +6140,8 @@
           </a:fontRef>
         </p:style>
       </p:cxnSp>
-      <mc:AlternateContent xmlns:mc="http://schemas.openxmlformats.org/markup-compatibility/2006">
-        <mc:Choice xmlns:a14="http://schemas.microsoft.com/office/drawing/2010/main" Requires="a14">
+      <mc:AlternateContent xmlns:mc="http://schemas.openxmlformats.org/markup-compatibility/2006" xmlns:a14="http://schemas.microsoft.com/office/drawing/2010/main">
+        <mc:Choice Requires="a14">
           <p:sp>
             <p:nvSpPr>
               <p:cNvPr id="65" name="TextBox 64">
@@ -6316,11 +6234,17 @@
                     </m:oMath>
                   </m:oMathPara>
                 </a14:m>
+                <a:endParaRPr lang="en-US" sz="1000" dirty="0">
+                  <a:solidFill>
+                    <a:srgbClr val="00B050"/>
+                  </a:solidFill>
+                  <a:latin typeface="Cambria Math" panose="02040503050406030204" pitchFamily="18" charset="0"/>
+                </a:endParaRPr>
               </a:p>
             </p:txBody>
           </p:sp>
         </mc:Choice>
-        <mc:Fallback>
+        <mc:Fallback xmlns="">
           <p:sp>
             <p:nvSpPr>
               <p:cNvPr id="65" name="TextBox 64">
@@ -6429,7 +6353,7 @@
             </p:nvSpPr>
             <p:spPr>
               <a:xfrm>
-                <a:off x="4577254" y="1656558"/>
+                <a:off x="4567474" y="1656558"/>
                 <a:ext cx="1169450" cy="400110"/>
               </a:xfrm>
               <a:prstGeom prst="rect">
@@ -6458,14 +6382,15 @@
                 <a14:m>
                   <m:oMath xmlns:m="http://schemas.openxmlformats.org/officeDocument/2006/math">
                     <m:r>
-                      <a:rPr lang="en-US" sz="1000" i="1" dirty="0">
+                      <a:rPr lang="en-US" sz="1000" b="0" i="1" dirty="0" smtClean="0">
                         <a:latin typeface="Cambria Math" panose="02040503050406030204" pitchFamily="18" charset="0"/>
                         <a:ea typeface="Cambria Math" panose="02040503050406030204" pitchFamily="18" charset="0"/>
                       </a:rPr>
-                      <m:t>𝑙</m:t>
+                      <m:t>𝑅</m:t>
                     </m:r>
                   </m:oMath>
                 </a14:m>
+                <a:endParaRPr lang="en-US" sz="1000" dirty="0"/>
               </a:p>
             </p:txBody>
           </p:sp>
@@ -6487,7 +6412,7 @@
             </p:nvSpPr>
             <p:spPr>
               <a:xfrm>
-                <a:off x="4577254" y="1656558"/>
+                <a:off x="4567474" y="1656558"/>
                 <a:ext cx="1169450" cy="400110"/>
               </a:xfrm>
               <a:prstGeom prst="rect">
@@ -6563,8 +6488,8 @@
           </a:p>
         </p:txBody>
       </p:sp>
-      <mc:AlternateContent xmlns:mc="http://schemas.openxmlformats.org/markup-compatibility/2006">
-        <mc:Choice xmlns:a14="http://schemas.microsoft.com/office/drawing/2010/main" Requires="a14">
+      <mc:AlternateContent xmlns:mc="http://schemas.openxmlformats.org/markup-compatibility/2006" xmlns:a14="http://schemas.microsoft.com/office/drawing/2010/main">
+        <mc:Choice Requires="a14">
           <p:sp>
             <p:nvSpPr>
               <p:cNvPr id="69" name="TextBox 68">
@@ -6611,11 +6536,12 @@
                     </m:r>
                   </m:oMath>
                 </a14:m>
+                <a:endParaRPr lang="en-US" sz="1000" dirty="0"/>
               </a:p>
             </p:txBody>
           </p:sp>
         </mc:Choice>
-        <mc:Fallback>
+        <mc:Fallback xmlns="">
           <p:sp>
             <p:nvSpPr>
               <p:cNvPr id="69" name="TextBox 68">
